--- a/print/Precal2_17_2.pptx
+++ b/print/Precal2_17_2.pptx
@@ -8097,7 +8097,7 @@
         <p:spPr>
           <a:xfrm>
             <a:off x="6094202" y="1481570"/>
-            <a:ext cx="1501186" cy="1237830"/>
+            <a:ext cx="1501186" cy="1482139"/>
           </a:xfrm>
           <a:prstGeom prst="rect">
             <a:avLst/>
@@ -8322,130 +8322,189 @@
               <a:buAutoNum type="alphaLcPeriod" startAt="1"/>
             </a:pPr>
             <a14:m>
-              <m:oMathPara>
-                <m:oMathParaPr>
-                  <m:jc m:val="left"/>
-                </m:oMathParaPr>
-                <m:oMath>
-                  <m:r>
-                    <a:rPr xmlns:a="http://schemas.openxmlformats.org/drawingml/2006/main" sz="1650" i="1">
-                      <a:solidFill>
-                        <a:srgbClr val="F46524"/>
-                      </a:solidFill>
-                      <a:latin typeface="Cambria Math" panose="02040503050406030204" pitchFamily="18" charset="0"/>
-                    </a:rPr>
-                    <m:t>x</m:t>
-                  </m:r>
-                  <m:r>
-                    <a:rPr xmlns:a="http://schemas.openxmlformats.org/drawingml/2006/main" sz="1650" i="1">
-                      <a:solidFill>
-                        <a:srgbClr val="F46524"/>
-                      </a:solidFill>
-                      <a:latin typeface="Cambria Math" panose="02040503050406030204" pitchFamily="18" charset="0"/>
-                    </a:rPr>
-                    <m:t>+</m:t>
-                  </m:r>
-                  <m:r>
-                    <a:rPr xmlns:a="http://schemas.openxmlformats.org/drawingml/2006/main" sz="1650" i="1">
-                      <a:solidFill>
-                        <a:srgbClr val="F46524"/>
-                      </a:solidFill>
-                      <a:latin typeface="Cambria Math" panose="02040503050406030204" pitchFamily="18" charset="0"/>
-                    </a:rPr>
-                    <m:t>y</m:t>
-                  </m:r>
-                  <m:r>
-                    <a:rPr xmlns:a="http://schemas.openxmlformats.org/drawingml/2006/main" sz="1650" i="1">
-                      <a:solidFill>
-                        <a:srgbClr val="F46524"/>
-                      </a:solidFill>
-                      <a:latin typeface="Cambria Math" panose="02040503050406030204" pitchFamily="18" charset="0"/>
-                    </a:rPr>
-                    <m:t>=</m:t>
-                  </m:r>
-                  <m:r>
-                    <a:rPr xmlns:a="http://schemas.openxmlformats.org/drawingml/2006/main" sz="1650" i="1">
-                      <a:solidFill>
-                        <a:srgbClr val="F46524"/>
-                      </a:solidFill>
-                      <a:latin typeface="Cambria Math" panose="02040503050406030204" pitchFamily="18" charset="0"/>
-                    </a:rPr>
-                    <m:t>3</m:t>
-                  </m:r>
-                </m:oMath>
-              </m:oMathPara>
+              <m:oMath>
+                <m:r>
+                  <a:rPr xmlns:a="http://schemas.openxmlformats.org/drawingml/2006/main" sz="1650" i="1">
+                    <a:solidFill>
+                      <a:srgbClr val="F46524"/>
+                    </a:solidFill>
+                    <a:latin typeface="Cambria Math" panose="02040503050406030204" pitchFamily="18" charset="0"/>
+                  </a:rPr>
+                  <m:t>x</m:t>
+                </m:r>
+                <m:r>
+                  <a:rPr xmlns:a="http://schemas.openxmlformats.org/drawingml/2006/main" sz="1650" i="1">
+                    <a:solidFill>
+                      <a:srgbClr val="F46524"/>
+                    </a:solidFill>
+                    <a:latin typeface="Cambria Math" panose="02040503050406030204" pitchFamily="18" charset="0"/>
+                  </a:rPr>
+                  <m:t>+</m:t>
+                </m:r>
+                <m:r>
+                  <a:rPr xmlns:a="http://schemas.openxmlformats.org/drawingml/2006/main" sz="1650" i="1">
+                    <a:solidFill>
+                      <a:srgbClr val="F46524"/>
+                    </a:solidFill>
+                    <a:latin typeface="Cambria Math" panose="02040503050406030204" pitchFamily="18" charset="0"/>
+                  </a:rPr>
+                  <m:t>y</m:t>
+                </m:r>
+                <m:r>
+                  <a:rPr xmlns:a="http://schemas.openxmlformats.org/drawingml/2006/main" sz="1650" i="1">
+                    <a:solidFill>
+                      <a:srgbClr val="F46524"/>
+                    </a:solidFill>
+                    <a:latin typeface="Cambria Math" panose="02040503050406030204" pitchFamily="18" charset="0"/>
+                  </a:rPr>
+                  <m:t>=</m:t>
+                </m:r>
+                <m:r>
+                  <a:rPr xmlns:a="http://schemas.openxmlformats.org/drawingml/2006/main" sz="1650" i="1">
+                    <a:solidFill>
+                      <a:srgbClr val="F46524"/>
+                    </a:solidFill>
+                    <a:latin typeface="Cambria Math" panose="02040503050406030204" pitchFamily="18" charset="0"/>
+                  </a:rPr>
+                  <m:t>3</m:t>
+                </m:r>
+              </m:oMath>
             </a14:m>
+            <a:br/>
             <a14:m>
-              <m:oMathPara>
-                <m:oMathParaPr>
-                  <m:jc m:val="left"/>
-                </m:oMathParaPr>
-                <m:oMath>
-                  <m:r>
-                    <a:rPr xmlns:a="http://schemas.openxmlformats.org/drawingml/2006/main" sz="1700" i="1">
-                      <a:solidFill>
-                        <a:srgbClr val="F46524"/>
-                      </a:solidFill>
-                      <a:latin typeface="Cambria Math" panose="02040503050406030204" pitchFamily="18" charset="0"/>
-                    </a:rPr>
-                    <m:t>3</m:t>
-                  </m:r>
-                  <m:r>
-                    <a:rPr xmlns:a="http://schemas.openxmlformats.org/drawingml/2006/main" sz="1700" i="1">
-                      <a:solidFill>
-                        <a:srgbClr val="F46524"/>
-                      </a:solidFill>
-                      <a:latin typeface="Cambria Math" panose="02040503050406030204" pitchFamily="18" charset="0"/>
-                    </a:rPr>
-                    <m:t>x</m:t>
-                  </m:r>
-                  <m:r>
-                    <a:rPr xmlns:a="http://schemas.openxmlformats.org/drawingml/2006/main" sz="1700" i="1">
-                      <a:solidFill>
-                        <a:srgbClr val="F46524"/>
-                      </a:solidFill>
-                      <a:latin typeface="Cambria Math" panose="02040503050406030204" pitchFamily="18" charset="0"/>
-                    </a:rPr>
-                    <m:t>+</m:t>
-                  </m:r>
-                  <m:r>
-                    <a:rPr xmlns:a="http://schemas.openxmlformats.org/drawingml/2006/main" sz="1700" i="1">
-                      <a:solidFill>
-                        <a:srgbClr val="F46524"/>
-                      </a:solidFill>
-                      <a:latin typeface="Cambria Math" panose="02040503050406030204" pitchFamily="18" charset="0"/>
-                    </a:rPr>
-                    <m:t>3</m:t>
-                  </m:r>
-                  <m:r>
-                    <a:rPr xmlns:a="http://schemas.openxmlformats.org/drawingml/2006/main" sz="1700" i="1">
-                      <a:solidFill>
-                        <a:srgbClr val="F46524"/>
-                      </a:solidFill>
-                      <a:latin typeface="Cambria Math" panose="02040503050406030204" pitchFamily="18" charset="0"/>
-                    </a:rPr>
-                    <m:t>y</m:t>
-                  </m:r>
-                  <m:r>
-                    <a:rPr xmlns:a="http://schemas.openxmlformats.org/drawingml/2006/main" sz="1700" i="1">
-                      <a:solidFill>
-                        <a:srgbClr val="F46524"/>
-                      </a:solidFill>
-                      <a:latin typeface="Cambria Math" panose="02040503050406030204" pitchFamily="18" charset="0"/>
-                    </a:rPr>
-                    <m:t>=</m:t>
-                  </m:r>
-                  <m:r>
-                    <a:rPr xmlns:a="http://schemas.openxmlformats.org/drawingml/2006/main" sz="1700" i="1">
-                      <a:solidFill>
-                        <a:srgbClr val="F46524"/>
-                      </a:solidFill>
-                      <a:latin typeface="Cambria Math" panose="02040503050406030204" pitchFamily="18" charset="0"/>
-                    </a:rPr>
-                    <m:t>9</m:t>
-                  </m:r>
-                </m:oMath>
-              </m:oMathPara>
+              <m:oMath>
+                <m:r>
+                  <a:rPr xmlns:a="http://schemas.openxmlformats.org/drawingml/2006/main" sz="1650" i="1">
+                    <a:solidFill>
+                      <a:srgbClr val="F46524"/>
+                    </a:solidFill>
+                    <a:latin typeface="Cambria Math" panose="02040503050406030204" pitchFamily="18" charset="0"/>
+                  </a:rPr>
+                  <m:t>1.5</m:t>
+                </m:r>
+                <m:r>
+                  <a:rPr xmlns:a="http://schemas.openxmlformats.org/drawingml/2006/main" sz="1650" i="1">
+                    <a:solidFill>
+                      <a:srgbClr val="F46524"/>
+                    </a:solidFill>
+                    <a:latin typeface="Cambria Math" panose="02040503050406030204" pitchFamily="18" charset="0"/>
+                  </a:rPr>
+                  <m:t>x</m:t>
+                </m:r>
+                <m:r>
+                  <a:rPr xmlns:a="http://schemas.openxmlformats.org/drawingml/2006/main" sz="1650" i="1">
+                    <a:solidFill>
+                      <a:srgbClr val="F46524"/>
+                    </a:solidFill>
+                    <a:latin typeface="Cambria Math" panose="02040503050406030204" pitchFamily="18" charset="0"/>
+                  </a:rPr>
+                  <m:t>+</m:t>
+                </m:r>
+                <m:r>
+                  <a:rPr xmlns:a="http://schemas.openxmlformats.org/drawingml/2006/main" sz="1650" i="1">
+                    <a:solidFill>
+                      <a:srgbClr val="F46524"/>
+                    </a:solidFill>
+                    <a:latin typeface="Cambria Math" panose="02040503050406030204" pitchFamily="18" charset="0"/>
+                  </a:rPr>
+                  <m:t>1.5</m:t>
+                </m:r>
+                <m:r>
+                  <a:rPr xmlns:a="http://schemas.openxmlformats.org/drawingml/2006/main" sz="1650" i="1">
+                    <a:solidFill>
+                      <a:srgbClr val="F46524"/>
+                    </a:solidFill>
+                    <a:latin typeface="Cambria Math" panose="02040503050406030204" pitchFamily="18" charset="0"/>
+                  </a:rPr>
+                  <m:t>y</m:t>
+                </m:r>
+                <m:r>
+                  <a:rPr xmlns:a="http://schemas.openxmlformats.org/drawingml/2006/main" sz="1650" i="1">
+                    <a:solidFill>
+                      <a:srgbClr val="F46524"/>
+                    </a:solidFill>
+                    <a:latin typeface="Cambria Math" panose="02040503050406030204" pitchFamily="18" charset="0"/>
+                  </a:rPr>
+                  <m:t>=</m:t>
+                </m:r>
+                <m:r>
+                  <a:rPr xmlns:a="http://schemas.openxmlformats.org/drawingml/2006/main" sz="1650" i="1">
+                    <a:solidFill>
+                      <a:srgbClr val="F46524"/>
+                    </a:solidFill>
+                    <a:latin typeface="Cambria Math" panose="02040503050406030204" pitchFamily="18" charset="0"/>
+                  </a:rPr>
+                  <m:t>4.5</m:t>
+                </m:r>
+              </m:oMath>
+            </a14:m>
+            <a:br/>
+            <a14:m>
+              <m:oMath>
+                <m:r>
+                  <a:rPr xmlns:a="http://schemas.openxmlformats.org/drawingml/2006/main" sz="1700" i="1">
+                    <a:solidFill>
+                      <a:srgbClr val="F46524"/>
+                    </a:solidFill>
+                    <a:latin typeface="Cambria Math" panose="02040503050406030204" pitchFamily="18" charset="0"/>
+                  </a:rPr>
+                  <m:t>3</m:t>
+                </m:r>
+                <m:r>
+                  <a:rPr xmlns:a="http://schemas.openxmlformats.org/drawingml/2006/main" sz="1700" i="1">
+                    <a:solidFill>
+                      <a:srgbClr val="F46524"/>
+                    </a:solidFill>
+                    <a:latin typeface="Cambria Math" panose="02040503050406030204" pitchFamily="18" charset="0"/>
+                  </a:rPr>
+                  <m:t>x</m:t>
+                </m:r>
+                <m:r>
+                  <a:rPr xmlns:a="http://schemas.openxmlformats.org/drawingml/2006/main" sz="1700" i="1">
+                    <a:solidFill>
+                      <a:srgbClr val="F46524"/>
+                    </a:solidFill>
+                    <a:latin typeface="Cambria Math" panose="02040503050406030204" pitchFamily="18" charset="0"/>
+                  </a:rPr>
+                  <m:t>+</m:t>
+                </m:r>
+                <m:r>
+                  <a:rPr xmlns:a="http://schemas.openxmlformats.org/drawingml/2006/main" sz="1700" i="1">
+                    <a:solidFill>
+                      <a:srgbClr val="F46524"/>
+                    </a:solidFill>
+                    <a:latin typeface="Cambria Math" panose="02040503050406030204" pitchFamily="18" charset="0"/>
+                  </a:rPr>
+                  <m:t>3</m:t>
+                </m:r>
+                <m:r>
+                  <a:rPr xmlns:a="http://schemas.openxmlformats.org/drawingml/2006/main" sz="1700" i="1">
+                    <a:solidFill>
+                      <a:srgbClr val="F46524"/>
+                    </a:solidFill>
+                    <a:latin typeface="Cambria Math" panose="02040503050406030204" pitchFamily="18" charset="0"/>
+                  </a:rPr>
+                  <m:t>y</m:t>
+                </m:r>
+                <m:r>
+                  <a:rPr xmlns:a="http://schemas.openxmlformats.org/drawingml/2006/main" sz="1700" i="1">
+                    <a:solidFill>
+                      <a:srgbClr val="F46524"/>
+                    </a:solidFill>
+                    <a:latin typeface="Cambria Math" panose="02040503050406030204" pitchFamily="18" charset="0"/>
+                  </a:rPr>
+                  <m:t>=</m:t>
+                </m:r>
+                <m:r>
+                  <a:rPr xmlns:a="http://schemas.openxmlformats.org/drawingml/2006/main" sz="1700" i="1">
+                    <a:solidFill>
+                      <a:srgbClr val="F46524"/>
+                    </a:solidFill>
+                    <a:latin typeface="Cambria Math" panose="02040503050406030204" pitchFamily="18" charset="0"/>
+                  </a:rPr>
+                  <m:t>9</m:t>
+                </m:r>
+              </m:oMath>
             </a14:m>
           </a:p>
         </p:txBody>
